--- a/cs2620/slides/cs2620_notes2.pptx
+++ b/cs2620/slides/cs2620_notes2.pptx
@@ -277,7 +277,7 @@
 <file path=ppt/revisionInfo.xml><?xml version="1.0" encoding="utf-8"?>
 <p1510:revInfo xmlns:a="http://schemas.openxmlformats.org/drawingml/2006/main" xmlns:r="http://schemas.openxmlformats.org/officeDocument/2006/relationships" xmlns:p1510="http://schemas.microsoft.com/office/powerpoint/2015/10/main">
   <p1510:revLst>
-    <p1510:client id="{08DA8158-80F7-4C4E-B110-147ED05951B5}" v="234" dt="2020-09-08T17:50:46.512"/>
+    <p1510:client id="{08DA8158-80F7-4C4E-B110-147ED05951B5}" v="238" dt="2020-09-08T18:46:20.083"/>
   </p1510:revLst>
 </p1510:revInfo>
 </file>
@@ -287,7 +287,7 @@
   <pc:docChgLst>
     <pc:chgData name="Lin  Chen" userId="5b8d33d8-9b1a-4612-8f39-9bee1ddd9437" providerId="ADAL" clId="{08DA8158-80F7-4C4E-B110-147ED05951B5}"/>
     <pc:docChg chg="undo custSel addSld modSld sldOrd">
-      <pc:chgData name="Lin  Chen" userId="5b8d33d8-9b1a-4612-8f39-9bee1ddd9437" providerId="ADAL" clId="{08DA8158-80F7-4C4E-B110-147ED05951B5}" dt="2020-09-08T17:50:46.512" v="400" actId="20577"/>
+      <pc:chgData name="Lin  Chen" userId="5b8d33d8-9b1a-4612-8f39-9bee1ddd9437" providerId="ADAL" clId="{08DA8158-80F7-4C4E-B110-147ED05951B5}" dt="2020-09-08T18:58:23.219" v="572" actId="20577"/>
       <pc:docMkLst>
         <pc:docMk/>
       </pc:docMkLst>
@@ -333,6 +333,21 @@
             <pc:docMk/>
             <pc:sldMk cId="0" sldId="328"/>
             <ac:spMk id="3" creationId="{00000000-0000-0000-0000-000000000000}"/>
+          </ac:spMkLst>
+        </pc:spChg>
+      </pc:sldChg>
+      <pc:sldChg chg="modSp mod">
+        <pc:chgData name="Lin  Chen" userId="5b8d33d8-9b1a-4612-8f39-9bee1ddd9437" providerId="ADAL" clId="{08DA8158-80F7-4C4E-B110-147ED05951B5}" dt="2020-09-08T18:17:10.375" v="406" actId="20577"/>
+        <pc:sldMkLst>
+          <pc:docMk/>
+          <pc:sldMk cId="3663319875" sldId="507"/>
+        </pc:sldMkLst>
+        <pc:spChg chg="mod">
+          <ac:chgData name="Lin  Chen" userId="5b8d33d8-9b1a-4612-8f39-9bee1ddd9437" providerId="ADAL" clId="{08DA8158-80F7-4C4E-B110-147ED05951B5}" dt="2020-09-08T18:17:10.375" v="406" actId="20577"/>
+          <ac:spMkLst>
+            <pc:docMk/>
+            <pc:sldMk cId="3663319875" sldId="507"/>
+            <ac:spMk id="3" creationId="{005234B0-1ABF-4263-A691-201157C67C4B}"/>
           </ac:spMkLst>
         </pc:spChg>
       </pc:sldChg>
@@ -382,7 +397,7 @@
         </pc:spChg>
       </pc:sldChg>
       <pc:sldChg chg="delSp modSp add mod">
-        <pc:chgData name="Lin  Chen" userId="5b8d33d8-9b1a-4612-8f39-9bee1ddd9437" providerId="ADAL" clId="{08DA8158-80F7-4C4E-B110-147ED05951B5}" dt="2020-09-08T16:21:08.794" v="58" actId="255"/>
+        <pc:chgData name="Lin  Chen" userId="5b8d33d8-9b1a-4612-8f39-9bee1ddd9437" providerId="ADAL" clId="{08DA8158-80F7-4C4E-B110-147ED05951B5}" dt="2020-09-08T18:36:49.509" v="440" actId="20577"/>
         <pc:sldMkLst>
           <pc:docMk/>
           <pc:sldMk cId="1429040884" sldId="514"/>
@@ -396,7 +411,7 @@
           </ac:spMkLst>
         </pc:spChg>
         <pc:spChg chg="mod">
-          <ac:chgData name="Lin  Chen" userId="5b8d33d8-9b1a-4612-8f39-9bee1ddd9437" providerId="ADAL" clId="{08DA8158-80F7-4C4E-B110-147ED05951B5}" dt="2020-09-08T16:21:08.794" v="58" actId="255"/>
+          <ac:chgData name="Lin  Chen" userId="5b8d33d8-9b1a-4612-8f39-9bee1ddd9437" providerId="ADAL" clId="{08DA8158-80F7-4C4E-B110-147ED05951B5}" dt="2020-09-08T18:36:49.509" v="440" actId="20577"/>
           <ac:spMkLst>
             <pc:docMk/>
             <pc:sldMk cId="1429040884" sldId="514"/>
@@ -413,13 +428,13 @@
         </pc:picChg>
       </pc:sldChg>
       <pc:sldChg chg="modSp add mod">
-        <pc:chgData name="Lin  Chen" userId="5b8d33d8-9b1a-4612-8f39-9bee1ddd9437" providerId="ADAL" clId="{08DA8158-80F7-4C4E-B110-147ED05951B5}" dt="2020-09-08T16:25:07.747" v="88" actId="57"/>
+        <pc:chgData name="Lin  Chen" userId="5b8d33d8-9b1a-4612-8f39-9bee1ddd9437" providerId="ADAL" clId="{08DA8158-80F7-4C4E-B110-147ED05951B5}" dt="2020-09-08T18:46:28.109" v="463" actId="57"/>
         <pc:sldMkLst>
           <pc:docMk/>
           <pc:sldMk cId="3146366600" sldId="515"/>
         </pc:sldMkLst>
         <pc:spChg chg="mod">
-          <ac:chgData name="Lin  Chen" userId="5b8d33d8-9b1a-4612-8f39-9bee1ddd9437" providerId="ADAL" clId="{08DA8158-80F7-4C4E-B110-147ED05951B5}" dt="2020-09-08T16:25:07.747" v="88" actId="57"/>
+          <ac:chgData name="Lin  Chen" userId="5b8d33d8-9b1a-4612-8f39-9bee1ddd9437" providerId="ADAL" clId="{08DA8158-80F7-4C4E-B110-147ED05951B5}" dt="2020-09-08T18:46:28.109" v="463" actId="57"/>
           <ac:spMkLst>
             <pc:docMk/>
             <pc:sldMk cId="3146366600" sldId="515"/>
@@ -428,7 +443,7 @@
         </pc:spChg>
       </pc:sldChg>
       <pc:sldChg chg="delSp modSp add mod modAnim">
-        <pc:chgData name="Lin  Chen" userId="5b8d33d8-9b1a-4612-8f39-9bee1ddd9437" providerId="ADAL" clId="{08DA8158-80F7-4C4E-B110-147ED05951B5}" dt="2020-09-08T16:27:26.239" v="259" actId="20577"/>
+        <pc:chgData name="Lin  Chen" userId="5b8d33d8-9b1a-4612-8f39-9bee1ddd9437" providerId="ADAL" clId="{08DA8158-80F7-4C4E-B110-147ED05951B5}" dt="2020-09-08T18:58:23.219" v="572" actId="20577"/>
         <pc:sldMkLst>
           <pc:docMk/>
           <pc:sldMk cId="951708850" sldId="516"/>
@@ -442,7 +457,7 @@
           </ac:spMkLst>
         </pc:spChg>
         <pc:spChg chg="mod">
-          <ac:chgData name="Lin  Chen" userId="5b8d33d8-9b1a-4612-8f39-9bee1ddd9437" providerId="ADAL" clId="{08DA8158-80F7-4C4E-B110-147ED05951B5}" dt="2020-09-08T16:27:26.239" v="259" actId="20577"/>
+          <ac:chgData name="Lin  Chen" userId="5b8d33d8-9b1a-4612-8f39-9bee1ddd9437" providerId="ADAL" clId="{08DA8158-80F7-4C4E-B110-147ED05951B5}" dt="2020-09-08T18:58:23.219" v="572" actId="20577"/>
           <ac:spMkLst>
             <pc:docMk/>
             <pc:sldMk cId="951708850" sldId="516"/>
@@ -13701,7 +13716,7 @@
             </a:pPr>
             <a:r>
               <a:rPr lang="en-US" dirty="0"/>
-              <a:t>∅ </a:t>
+              <a:t>∅ 0</a:t>
             </a:r>
           </a:p>
           <a:p>
@@ -13710,7 +13725,7 @@
             </a:pPr>
             <a:r>
               <a:rPr lang="en-US" dirty="0"/>
-              <a:t>{∅}</a:t>
+              <a:t>{∅} 1</a:t>
             </a:r>
           </a:p>
           <a:p>
@@ -13719,7 +13734,7 @@
             </a:pPr>
             <a:r>
               <a:rPr lang="en-US" dirty="0"/>
-              <a:t>{∅, {∅}} </a:t>
+              <a:t>{∅, {∅}} 2</a:t>
             </a:r>
           </a:p>
           <a:p>
@@ -13727,12 +13742,8 @@
               <a:buAutoNum type="alphaLcParenR"/>
             </a:pPr>
             <a:r>
-              <a:rPr lang="en-US"/>
-              <a:t>{</a:t>
-            </a:r>
-            <a:r>
-              <a:rPr lang="en-US" dirty="0"/>
-              <a:t>∅, {∅}, {∅, {∅}}}</a:t>
+              <a:rPr lang="en-US" dirty="0"/>
+              <a:t>{∅, {∅}, {∅, {∅}}} 3</a:t>
             </a:r>
           </a:p>
         </p:txBody>
@@ -15266,7 +15277,7 @@
         </p:spPr>
         <p:txBody>
           <a:bodyPr>
-            <a:normAutofit/>
+            <a:normAutofit fontScale="92500" lnSpcReduction="10000"/>
           </a:bodyPr>
           <a:lstStyle/>
           <a:p>
@@ -15380,6 +15391,47 @@
                 <a:ea typeface="Cambria Math" pitchFamily="18" charset="0"/>
               </a:rPr>
               <a:t> =</a:t>
+            </a:r>
+          </a:p>
+          <a:p>
+            <a:pPr>
+              <a:buNone/>
+            </a:pPr>
+            <a:endParaRPr lang="en-US" sz="2800" dirty="0">
+              <a:ea typeface="Cambria Math" pitchFamily="18" charset="0"/>
+            </a:endParaRPr>
+          </a:p>
+          <a:p>
+            <a:pPr>
+              <a:buNone/>
+            </a:pPr>
+            <a:r>
+              <a:rPr lang="en-US" sz="2800" dirty="0">
+                <a:ea typeface="Cambria Math" pitchFamily="18" charset="0"/>
+              </a:rPr>
+              <a:t>|A| = m</a:t>
+            </a:r>
+          </a:p>
+          <a:p>
+            <a:pPr>
+              <a:buNone/>
+            </a:pPr>
+            <a:r>
+              <a:rPr lang="en-US" sz="2800" dirty="0">
+                <a:ea typeface="Cambria Math" pitchFamily="18" charset="0"/>
+              </a:rPr>
+              <a:t>|B| = n</a:t>
+            </a:r>
+          </a:p>
+          <a:p>
+            <a:pPr>
+              <a:buNone/>
+            </a:pPr>
+            <a:r>
+              <a:rPr lang="en-US" sz="2800" dirty="0">
+                <a:ea typeface="Cambria Math" pitchFamily="18" charset="0"/>
+              </a:rPr>
+              <a:t>|B × A| = </a:t>
             </a:r>
           </a:p>
           <a:p>
@@ -16411,8 +16463,20 @@
             </a:r>
             <a:r>
               <a:rPr lang="en-US" baseline="30000" dirty="0"/>
-              <a:t>2</a:t>
-            </a:r>
+              <a:t>2 </a:t>
+            </a:r>
+            <a:r>
+              <a:rPr lang="en-US" dirty="0"/>
+              <a:t>= A</a:t>
+            </a:r>
+            <a:r>
+              <a:rPr lang="en-US" dirty="0">
+                <a:latin typeface="Cambria Math" pitchFamily="18" charset="0"/>
+                <a:ea typeface="Cambria Math" pitchFamily="18" charset="0"/>
+              </a:rPr>
+              <a:t> × A</a:t>
+            </a:r>
+            <a:endParaRPr lang="en-US" baseline="30000" dirty="0"/>
           </a:p>
           <a:p>
             <a:pPr marL="0" indent="0">
@@ -16424,8 +16488,28 @@
             </a:r>
             <a:r>
               <a:rPr lang="en-US" baseline="30000" dirty="0"/>
-              <a:t>3</a:t>
-            </a:r>
+              <a:t>3 </a:t>
+            </a:r>
+            <a:r>
+              <a:rPr lang="en-US" dirty="0"/>
+              <a:t>=</a:t>
+            </a:r>
+            <a:r>
+              <a:rPr lang="en-US" baseline="30000" dirty="0"/>
+              <a:t> </a:t>
+            </a:r>
+            <a:r>
+              <a:rPr lang="en-US" dirty="0"/>
+              <a:t>A </a:t>
+            </a:r>
+            <a:r>
+              <a:rPr lang="en-US" dirty="0">
+                <a:latin typeface="Cambria Math" pitchFamily="18" charset="0"/>
+                <a:ea typeface="Cambria Math" pitchFamily="18" charset="0"/>
+              </a:rPr>
+              <a:t>× A × A</a:t>
+            </a:r>
+            <a:endParaRPr lang="en-US" baseline="30000" dirty="0"/>
           </a:p>
         </p:txBody>
       </p:sp>
@@ -16535,8 +16619,19 @@
             </a:r>
             <a:r>
               <a:rPr lang="en-US" dirty="0"/>
-              <a:t>: What are the order pairs in the less than or equal to relation, which contains (a, b) if a &lt;= b</a:t>
-            </a:r>
+              <a:t>: What are the order pairs in the less than or equal to relation, which contains (a, b) if a &lt;= b, A = {0, 1, 2}, B = {0, 1, 2}</a:t>
+            </a:r>
+          </a:p>
+          <a:p>
+            <a:pPr>
+              <a:buNone/>
+            </a:pPr>
+            <a:endParaRPr lang="en-US" b="1" dirty="0"/>
+          </a:p>
+          <a:p>
+            <a:pPr>
+              <a:buNone/>
+            </a:pPr>
             <a:endParaRPr lang="en-US" b="1" dirty="0"/>
           </a:p>
           <a:p>
@@ -16611,8 +16706,8 @@
           </a:p>
         </p:txBody>
       </p:sp>
-      <mc:AlternateContent xmlns:mc="http://schemas.openxmlformats.org/markup-compatibility/2006">
-        <mc:Choice xmlns:a14="http://schemas.microsoft.com/office/drawing/2010/main" Requires="a14">
+      <mc:AlternateContent xmlns:mc="http://schemas.openxmlformats.org/markup-compatibility/2006" xmlns:a14="http://schemas.microsoft.com/office/drawing/2010/main">
+        <mc:Choice Requires="a14">
           <p:sp>
             <p:nvSpPr>
               <p:cNvPr id="3" name="Content Placeholder 2"/>
@@ -16862,7 +16957,7 @@
             </p:txBody>
           </p:sp>
         </mc:Choice>
-        <mc:Fallback>
+        <mc:Fallback xmlns="">
           <p:sp>
             <p:nvSpPr>
               <p:cNvPr id="3" name="Content Placeholder 2"/>
@@ -26867,8 +26962,8 @@
           </a:p>
         </p:txBody>
       </p:sp>
-      <mc:AlternateContent xmlns:mc="http://schemas.openxmlformats.org/markup-compatibility/2006">
-        <mc:Choice xmlns:a14="http://schemas.microsoft.com/office/drawing/2010/main" Requires="a14">
+      <mc:AlternateContent xmlns:mc="http://schemas.openxmlformats.org/markup-compatibility/2006" xmlns:a14="http://schemas.microsoft.com/office/drawing/2010/main">
+        <mc:Choice Requires="a14">
           <p:sp>
             <p:nvSpPr>
               <p:cNvPr id="14" name="TextBox 13"/>
@@ -26891,6 +26986,7 @@
               </a:bodyPr>
               <a:lstStyle/>
               <a:p>
+                <a:pPr/>
                 <a14:m>
                   <m:oMathPara xmlns:m="http://schemas.openxmlformats.org/officeDocument/2006/math">
                     <m:oMathParaPr>
@@ -27042,7 +27138,7 @@
             </p:txBody>
           </p:sp>
         </mc:Choice>
-        <mc:Fallback>
+        <mc:Fallback xmlns="">
           <p:sp>
             <p:nvSpPr>
               <p:cNvPr id="14" name="TextBox 13"/>

--- a/cs2620/slides/cs2620_notes2.pptx
+++ b/cs2620/slides/cs2620_notes2.pptx
@@ -281,7 +281,7 @@
 <file path=ppt/revisionInfo.xml><?xml version="1.0" encoding="utf-8"?>
 <p1510:revInfo xmlns:a="http://schemas.openxmlformats.org/drawingml/2006/main" xmlns:r="http://schemas.openxmlformats.org/officeDocument/2006/relationships" xmlns:p1510="http://schemas.microsoft.com/office/powerpoint/2015/10/main">
   <p1510:revLst>
-    <p1510:client id="{08DA8158-80F7-4C4E-B110-147ED05951B5}" v="310" dt="2020-09-15T17:30:40.410"/>
+    <p1510:client id="{08DA8158-80F7-4C4E-B110-147ED05951B5}" v="323" dt="2020-09-17T16:06:28.034"/>
   </p1510:revLst>
 </p1510:revInfo>
 </file>
@@ -291,7 +291,7 @@
   <pc:docChgLst>
     <pc:chgData name="Lin  Chen" userId="5b8d33d8-9b1a-4612-8f39-9bee1ddd9437" providerId="ADAL" clId="{08DA8158-80F7-4C4E-B110-147ED05951B5}"/>
     <pc:docChg chg="undo custSel addSld modSld sldOrd">
-      <pc:chgData name="Lin  Chen" userId="5b8d33d8-9b1a-4612-8f39-9bee1ddd9437" providerId="ADAL" clId="{08DA8158-80F7-4C4E-B110-147ED05951B5}" dt="2020-09-15T17:31:02.140" v="1029" actId="478"/>
+      <pc:chgData name="Lin  Chen" userId="5b8d33d8-9b1a-4612-8f39-9bee1ddd9437" providerId="ADAL" clId="{08DA8158-80F7-4C4E-B110-147ED05951B5}" dt="2020-09-17T16:06:28.034" v="1051" actId="207"/>
       <pc:docMkLst>
         <pc:docMk/>
       </pc:docMkLst>
@@ -418,6 +418,81 @@
           <ac:spMkLst>
             <pc:docMk/>
             <pc:sldMk cId="0" sldId="396"/>
+            <ac:spMk id="3" creationId="{00000000-0000-0000-0000-000000000000}"/>
+          </ac:spMkLst>
+        </pc:spChg>
+      </pc:sldChg>
+      <pc:sldChg chg="modSp">
+        <pc:chgData name="Lin  Chen" userId="5b8d33d8-9b1a-4612-8f39-9bee1ddd9437" providerId="ADAL" clId="{08DA8158-80F7-4C4E-B110-147ED05951B5}" dt="2020-09-17T15:54:50.302" v="1030" actId="207"/>
+        <pc:sldMkLst>
+          <pc:docMk/>
+          <pc:sldMk cId="0" sldId="405"/>
+        </pc:sldMkLst>
+        <pc:spChg chg="mod">
+          <ac:chgData name="Lin  Chen" userId="5b8d33d8-9b1a-4612-8f39-9bee1ddd9437" providerId="ADAL" clId="{08DA8158-80F7-4C4E-B110-147ED05951B5}" dt="2020-09-17T15:54:50.302" v="1030" actId="207"/>
+          <ac:spMkLst>
+            <pc:docMk/>
+            <pc:sldMk cId="0" sldId="405"/>
+            <ac:spMk id="3" creationId="{00000000-0000-0000-0000-000000000000}"/>
+          </ac:spMkLst>
+        </pc:spChg>
+      </pc:sldChg>
+      <pc:sldChg chg="modSp mod">
+        <pc:chgData name="Lin  Chen" userId="5b8d33d8-9b1a-4612-8f39-9bee1ddd9437" providerId="ADAL" clId="{08DA8158-80F7-4C4E-B110-147ED05951B5}" dt="2020-09-17T15:56:27.932" v="1045" actId="122"/>
+        <pc:sldMkLst>
+          <pc:docMk/>
+          <pc:sldMk cId="0" sldId="406"/>
+        </pc:sldMkLst>
+        <pc:spChg chg="mod">
+          <ac:chgData name="Lin  Chen" userId="5b8d33d8-9b1a-4612-8f39-9bee1ddd9437" providerId="ADAL" clId="{08DA8158-80F7-4C4E-B110-147ED05951B5}" dt="2020-09-17T15:56:27.932" v="1045" actId="122"/>
+          <ac:spMkLst>
+            <pc:docMk/>
+            <pc:sldMk cId="0" sldId="406"/>
+            <ac:spMk id="3" creationId="{00000000-0000-0000-0000-000000000000}"/>
+          </ac:spMkLst>
+        </pc:spChg>
+      </pc:sldChg>
+      <pc:sldChg chg="modSp">
+        <pc:chgData name="Lin  Chen" userId="5b8d33d8-9b1a-4612-8f39-9bee1ddd9437" providerId="ADAL" clId="{08DA8158-80F7-4C4E-B110-147ED05951B5}" dt="2020-09-17T15:58:02.018" v="1047" actId="207"/>
+        <pc:sldMkLst>
+          <pc:docMk/>
+          <pc:sldMk cId="0" sldId="412"/>
+        </pc:sldMkLst>
+        <pc:spChg chg="mod">
+          <ac:chgData name="Lin  Chen" userId="5b8d33d8-9b1a-4612-8f39-9bee1ddd9437" providerId="ADAL" clId="{08DA8158-80F7-4C4E-B110-147ED05951B5}" dt="2020-09-17T15:58:02.018" v="1047" actId="207"/>
+          <ac:spMkLst>
+            <pc:docMk/>
+            <pc:sldMk cId="0" sldId="412"/>
+            <ac:spMk id="3" creationId="{00000000-0000-0000-0000-000000000000}"/>
+          </ac:spMkLst>
+        </pc:spChg>
+      </pc:sldChg>
+      <pc:sldChg chg="modSp">
+        <pc:chgData name="Lin  Chen" userId="5b8d33d8-9b1a-4612-8f39-9bee1ddd9437" providerId="ADAL" clId="{08DA8158-80F7-4C4E-B110-147ED05951B5}" dt="2020-09-17T15:59:17.250" v="1050" actId="207"/>
+        <pc:sldMkLst>
+          <pc:docMk/>
+          <pc:sldMk cId="0" sldId="435"/>
+        </pc:sldMkLst>
+        <pc:spChg chg="mod">
+          <ac:chgData name="Lin  Chen" userId="5b8d33d8-9b1a-4612-8f39-9bee1ddd9437" providerId="ADAL" clId="{08DA8158-80F7-4C4E-B110-147ED05951B5}" dt="2020-09-17T15:59:17.250" v="1050" actId="207"/>
+          <ac:spMkLst>
+            <pc:docMk/>
+            <pc:sldMk cId="0" sldId="435"/>
+            <ac:spMk id="3" creationId="{00000000-0000-0000-0000-000000000000}"/>
+          </ac:spMkLst>
+        </pc:spChg>
+      </pc:sldChg>
+      <pc:sldChg chg="modSp">
+        <pc:chgData name="Lin  Chen" userId="5b8d33d8-9b1a-4612-8f39-9bee1ddd9437" providerId="ADAL" clId="{08DA8158-80F7-4C4E-B110-147ED05951B5}" dt="2020-09-17T16:06:28.034" v="1051" actId="207"/>
+        <pc:sldMkLst>
+          <pc:docMk/>
+          <pc:sldMk cId="0" sldId="459"/>
+        </pc:sldMkLst>
+        <pc:spChg chg="mod">
+          <ac:chgData name="Lin  Chen" userId="5b8d33d8-9b1a-4612-8f39-9bee1ddd9437" providerId="ADAL" clId="{08DA8158-80F7-4C4E-B110-147ED05951B5}" dt="2020-09-17T16:06:28.034" v="1051" actId="207"/>
+          <ac:spMkLst>
+            <pc:docMk/>
+            <pc:sldMk cId="0" sldId="459"/>
             <ac:spMk id="3" creationId="{00000000-0000-0000-0000-000000000000}"/>
           </ac:spMkLst>
         </pc:spChg>
@@ -1096,7 +1171,7 @@
             <a:fld id="{C0FEF7AE-0C30-4EA7-B74D-470A9C33048D}" type="datetimeFigureOut">
               <a:rPr lang="en-US" smtClean="0"/>
               <a:pPr/>
-              <a:t>9/15/20</a:t>
+              <a:t>9/17/20</a:t>
             </a:fld>
             <a:endParaRPr lang="en-US"/>
           </a:p>
@@ -1263,7 +1338,7 @@
             <a:fld id="{10106763-8029-41BC-9E70-E644A94F0E80}" type="datetimeFigureOut">
               <a:rPr lang="en-US" smtClean="0"/>
               <a:pPr/>
-              <a:t>9/15/20</a:t>
+              <a:t>9/17/20</a:t>
             </a:fld>
             <a:endParaRPr lang="en-US"/>
           </a:p>
@@ -2118,7 +2193,7 @@
             <a:fld id="{3D15220D-0BB5-4C71-B862-812B075D02FE}" type="datetimeFigureOut">
               <a:rPr lang="en-US" smtClean="0"/>
               <a:pPr/>
-              <a:t>9/15/20</a:t>
+              <a:t>9/17/20</a:t>
             </a:fld>
             <a:endParaRPr lang="en-US"/>
           </a:p>
@@ -2284,7 +2359,7 @@
             <a:fld id="{3D15220D-0BB5-4C71-B862-812B075D02FE}" type="datetimeFigureOut">
               <a:rPr lang="en-US" smtClean="0"/>
               <a:pPr/>
-              <a:t>9/15/20</a:t>
+              <a:t>9/17/20</a:t>
             </a:fld>
             <a:endParaRPr lang="en-US"/>
           </a:p>
@@ -2460,7 +2535,7 @@
             <a:fld id="{3D15220D-0BB5-4C71-B862-812B075D02FE}" type="datetimeFigureOut">
               <a:rPr lang="en-US" smtClean="0"/>
               <a:pPr/>
-              <a:t>9/15/20</a:t>
+              <a:t>9/17/20</a:t>
             </a:fld>
             <a:endParaRPr lang="en-US"/>
           </a:p>
@@ -2626,7 +2701,7 @@
             <a:fld id="{3D15220D-0BB5-4C71-B862-812B075D02FE}" type="datetimeFigureOut">
               <a:rPr lang="en-US" smtClean="0"/>
               <a:pPr/>
-              <a:t>9/15/20</a:t>
+              <a:t>9/17/20</a:t>
             </a:fld>
             <a:endParaRPr lang="en-US"/>
           </a:p>
@@ -2869,7 +2944,7 @@
             <a:fld id="{3D15220D-0BB5-4C71-B862-812B075D02FE}" type="datetimeFigureOut">
               <a:rPr lang="en-US" smtClean="0"/>
               <a:pPr/>
-              <a:t>9/15/20</a:t>
+              <a:t>9/17/20</a:t>
             </a:fld>
             <a:endParaRPr lang="en-US"/>
           </a:p>
@@ -3134,7 +3209,7 @@
             <a:fld id="{3D15220D-0BB5-4C71-B862-812B075D02FE}" type="datetimeFigureOut">
               <a:rPr lang="en-US" smtClean="0"/>
               <a:pPr/>
-              <a:t>9/15/20</a:t>
+              <a:t>9/17/20</a:t>
             </a:fld>
             <a:endParaRPr lang="en-US"/>
           </a:p>
@@ -3513,7 +3588,7 @@
             <a:fld id="{3D15220D-0BB5-4C71-B862-812B075D02FE}" type="datetimeFigureOut">
               <a:rPr lang="en-US" smtClean="0"/>
               <a:pPr/>
-              <a:t>9/15/20</a:t>
+              <a:t>9/17/20</a:t>
             </a:fld>
             <a:endParaRPr lang="en-US"/>
           </a:p>
@@ -3664,7 +3739,7 @@
             <a:fld id="{3D15220D-0BB5-4C71-B862-812B075D02FE}" type="datetimeFigureOut">
               <a:rPr lang="en-US" smtClean="0"/>
               <a:pPr/>
-              <a:t>9/15/20</a:t>
+              <a:t>9/17/20</a:t>
             </a:fld>
             <a:endParaRPr lang="en-US"/>
           </a:p>
@@ -3756,7 +3831,7 @@
             <a:fld id="{3D15220D-0BB5-4C71-B862-812B075D02FE}" type="datetimeFigureOut">
               <a:rPr lang="en-US" smtClean="0"/>
               <a:pPr/>
-              <a:t>9/15/20</a:t>
+              <a:t>9/17/20</a:t>
             </a:fld>
             <a:endParaRPr lang="en-US"/>
           </a:p>
@@ -4018,7 +4093,7 @@
             <a:fld id="{3D15220D-0BB5-4C71-B862-812B075D02FE}" type="datetimeFigureOut">
               <a:rPr lang="en-US" smtClean="0"/>
               <a:pPr/>
-              <a:t>9/15/20</a:t>
+              <a:t>9/17/20</a:t>
             </a:fld>
             <a:endParaRPr lang="en-US"/>
           </a:p>
@@ -4307,7 +4382,7 @@
             <a:fld id="{3D15220D-0BB5-4C71-B862-812B075D02FE}" type="datetimeFigureOut">
               <a:rPr lang="en-US" smtClean="0"/>
               <a:pPr/>
-              <a:t>9/15/20</a:t>
+              <a:t>9/17/20</a:t>
             </a:fld>
             <a:endParaRPr lang="en-US"/>
           </a:p>
@@ -5078,7 +5153,7 @@
             <a:fld id="{3D15220D-0BB5-4C71-B862-812B075D02FE}" type="datetimeFigureOut">
               <a:rPr lang="en-US" smtClean="0"/>
               <a:pPr/>
-              <a:t>9/15/20</a:t>
+              <a:t>9/17/20</a:t>
             </a:fld>
             <a:endParaRPr lang="en-US"/>
           </a:p>
@@ -6998,7 +7073,11 @@
               <a:t>Such a formula is called a </a:t>
             </a:r>
             <a:r>
-              <a:rPr lang="en-US" i="1" dirty="0"/>
+              <a:rPr lang="en-US" i="1" dirty="0">
+                <a:solidFill>
+                  <a:srgbClr val="FF0000"/>
+                </a:solidFill>
+              </a:rPr>
               <a:t>closed formula</a:t>
             </a:r>
             <a:r>
@@ -52510,7 +52589,19 @@
           <a:p>
             <a:r>
               <a:rPr lang="en-US" dirty="0"/>
-              <a:t>Sequences are ordered lists of elements. </a:t>
+              <a:t>Sequences are ordered </a:t>
+            </a:r>
+            <a:r>
+              <a:rPr lang="en-US" dirty="0">
+                <a:solidFill>
+                  <a:srgbClr val="FF0000"/>
+                </a:solidFill>
+              </a:rPr>
+              <a:t>lists</a:t>
+            </a:r>
+            <a:r>
+              <a:rPr lang="en-US" dirty="0"/>
+              <a:t> of elements. </a:t>
             </a:r>
           </a:p>
           <a:p>
@@ -52617,12 +52708,40 @@
               <a:t>: A </a:t>
             </a:r>
             <a:r>
-              <a:rPr lang="en-US" i="1" dirty="0"/>
+              <a:rPr lang="en-US" i="1" dirty="0">
+                <a:solidFill>
+                  <a:srgbClr val="FF0000"/>
+                </a:solidFill>
+              </a:rPr>
               <a:t>sequence</a:t>
             </a:r>
             <a:r>
               <a:rPr lang="en-US" dirty="0"/>
-              <a:t> is a function from a subset of the integers (usually either the set {</a:t>
+              <a:t> is a </a:t>
+            </a:r>
+            <a:r>
+              <a:rPr lang="en-US" dirty="0">
+                <a:solidFill>
+                  <a:srgbClr val="FF0000"/>
+                </a:solidFill>
+              </a:rPr>
+              <a:t>function</a:t>
+            </a:r>
+            <a:r>
+              <a:rPr lang="en-US" dirty="0"/>
+              <a:t> from a subset of the </a:t>
+            </a:r>
+            <a:r>
+              <a:rPr lang="en-US" dirty="0">
+                <a:solidFill>
+                  <a:srgbClr val="FF0000"/>
+                </a:solidFill>
+              </a:rPr>
+              <a:t>integers</a:t>
+            </a:r>
+            <a:r>
+              <a:rPr lang="en-US" dirty="0"/>
+              <a:t> (usually either the set {</a:t>
             </a:r>
             <a:r>
               <a:rPr lang="en-US" dirty="0">
@@ -52763,13 +52882,57 @@
             </a:r>
           </a:p>
           <a:p>
-            <a:pPr>
+            <a:pPr algn="ctr">
               <a:buNone/>
             </a:pPr>
             <a:r>
-              <a:rPr lang="en-US" dirty="0"/>
-              <a:t>   </a:t>
-            </a:r>
+              <a:rPr lang="en-US" dirty="0">
+                <a:solidFill>
+                  <a:srgbClr val="FF0000"/>
+                </a:solidFill>
+              </a:rPr>
+              <a:t> </a:t>
+            </a:r>
+            <a:r>
+              <a:rPr lang="en-US" i="1" dirty="0">
+                <a:solidFill>
+                  <a:srgbClr val="FF0000"/>
+                </a:solidFill>
+              </a:rPr>
+              <a:t>f(n)</a:t>
+            </a:r>
+            <a:r>
+              <a:rPr lang="en-US" dirty="0">
+                <a:solidFill>
+                  <a:srgbClr val="FF0000"/>
+                </a:solidFill>
+              </a:rPr>
+              <a:t>  = </a:t>
+            </a:r>
+            <a:r>
+              <a:rPr lang="en-US" i="1" dirty="0">
+                <a:solidFill>
+                  <a:srgbClr val="FF0000"/>
+                </a:solidFill>
+                <a:ea typeface="Cambria Math" pitchFamily="18" charset="0"/>
+              </a:rPr>
+              <a:t>a</a:t>
+            </a:r>
+            <a:r>
+              <a:rPr lang="en-US" i="1" baseline="-25000" dirty="0">
+                <a:solidFill>
+                  <a:srgbClr val="FF0000"/>
+                </a:solidFill>
+                <a:latin typeface="Cambria Math" pitchFamily="18" charset="0"/>
+                <a:ea typeface="Cambria Math" pitchFamily="18" charset="0"/>
+              </a:rPr>
+              <a:t>n </a:t>
+            </a:r>
+            <a:endParaRPr lang="en-US" dirty="0">
+              <a:solidFill>
+                <a:srgbClr val="FF0000"/>
+              </a:solidFill>
+            </a:endParaRPr>
           </a:p>
         </p:txBody>
       </p:sp>
@@ -53885,7 +54048,11 @@
               <a:t>: A </a:t>
             </a:r>
             <a:r>
-              <a:rPr lang="en-US" i="1" dirty="0"/>
+              <a:rPr lang="en-US" i="1" dirty="0">
+                <a:solidFill>
+                  <a:srgbClr val="FF0000"/>
+                </a:solidFill>
+              </a:rPr>
               <a:t>string</a:t>
             </a:r>
             <a:r>
@@ -53905,7 +54072,11 @@
               <a:t>The </a:t>
             </a:r>
             <a:r>
-              <a:rPr lang="en-US" i="1" dirty="0"/>
+              <a:rPr lang="en-US" i="1" dirty="0">
+                <a:solidFill>
+                  <a:srgbClr val="FF0000"/>
+                </a:solidFill>
+              </a:rPr>
               <a:t>empty string </a:t>
             </a:r>
             <a:r>
@@ -54036,7 +54207,11 @@
               <a:t>A </a:t>
             </a:r>
             <a:r>
-              <a:rPr lang="en-US" i="1" dirty="0"/>
+              <a:rPr lang="en-US" i="1" dirty="0">
+                <a:solidFill>
+                  <a:srgbClr val="FF0000"/>
+                </a:solidFill>
+              </a:rPr>
               <a:t>recurrence relation </a:t>
             </a:r>
             <a:r>
@@ -54073,7 +54248,19 @@
             </a:r>
             <a:r>
               <a:rPr lang="en-US" dirty="0"/>
-              <a:t> in terms of one or more of the previous terms of the sequence, namely, </a:t>
+              <a:t> in terms of one or more of the </a:t>
+            </a:r>
+            <a:r>
+              <a:rPr lang="en-US" dirty="0">
+                <a:solidFill>
+                  <a:srgbClr val="FF0000"/>
+                </a:solidFill>
+              </a:rPr>
+              <a:t>previous terms </a:t>
+            </a:r>
+            <a:r>
+              <a:rPr lang="en-US" dirty="0"/>
+              <a:t>of the sequence, namely, </a:t>
             </a:r>
             <a:r>
               <a:rPr lang="en-US" i="1" dirty="0"/>
@@ -54156,7 +54343,11 @@
               <a:t>The </a:t>
             </a:r>
             <a:r>
-              <a:rPr lang="en-US" i="1" dirty="0"/>
+              <a:rPr lang="en-US" i="1" dirty="0">
+                <a:solidFill>
+                  <a:srgbClr val="FF0000"/>
+                </a:solidFill>
+              </a:rPr>
               <a:t>initial conditions </a:t>
             </a:r>
             <a:r>
